--- a/Presentation.pptx
+++ b/Presentation.pptx
@@ -261,7 +261,7 @@
           <a:p>
             <a:fld id="{846CE7D5-CF57-46EF-B807-FDD0502418D4}" type="datetimeFigureOut">
               <a:rPr lang="en-US" smtClean="0"/>
-              <a:t>2/28/2025</a:t>
+              <a:t>3/28/2025</a:t>
             </a:fld>
             <a:endParaRPr lang="en-US"/>
           </a:p>
@@ -431,7 +431,7 @@
           <a:p>
             <a:fld id="{846CE7D5-CF57-46EF-B807-FDD0502418D4}" type="datetimeFigureOut">
               <a:rPr lang="en-US" smtClean="0"/>
-              <a:t>2/28/2025</a:t>
+              <a:t>3/28/2025</a:t>
             </a:fld>
             <a:endParaRPr lang="en-US"/>
           </a:p>
@@ -611,7 +611,7 @@
           <a:p>
             <a:fld id="{846CE7D5-CF57-46EF-B807-FDD0502418D4}" type="datetimeFigureOut">
               <a:rPr lang="en-US" smtClean="0"/>
-              <a:t>2/28/2025</a:t>
+              <a:t>3/28/2025</a:t>
             </a:fld>
             <a:endParaRPr lang="en-US"/>
           </a:p>
@@ -781,7 +781,7 @@
           <a:p>
             <a:fld id="{846CE7D5-CF57-46EF-B807-FDD0502418D4}" type="datetimeFigureOut">
               <a:rPr lang="en-US" smtClean="0"/>
-              <a:t>2/28/2025</a:t>
+              <a:t>3/28/2025</a:t>
             </a:fld>
             <a:endParaRPr lang="en-US"/>
           </a:p>
@@ -1027,7 +1027,7 @@
           <a:p>
             <a:fld id="{846CE7D5-CF57-46EF-B807-FDD0502418D4}" type="datetimeFigureOut">
               <a:rPr lang="en-US" smtClean="0"/>
-              <a:t>2/28/2025</a:t>
+              <a:t>3/28/2025</a:t>
             </a:fld>
             <a:endParaRPr lang="en-US"/>
           </a:p>
@@ -1259,7 +1259,7 @@
           <a:p>
             <a:fld id="{846CE7D5-CF57-46EF-B807-FDD0502418D4}" type="datetimeFigureOut">
               <a:rPr lang="en-US" smtClean="0"/>
-              <a:t>2/28/2025</a:t>
+              <a:t>3/28/2025</a:t>
             </a:fld>
             <a:endParaRPr lang="en-US"/>
           </a:p>
@@ -1626,7 +1626,7 @@
           <a:p>
             <a:fld id="{846CE7D5-CF57-46EF-B807-FDD0502418D4}" type="datetimeFigureOut">
               <a:rPr lang="en-US" smtClean="0"/>
-              <a:t>2/28/2025</a:t>
+              <a:t>3/28/2025</a:t>
             </a:fld>
             <a:endParaRPr lang="en-US"/>
           </a:p>
@@ -1744,7 +1744,7 @@
           <a:p>
             <a:fld id="{846CE7D5-CF57-46EF-B807-FDD0502418D4}" type="datetimeFigureOut">
               <a:rPr lang="en-US" smtClean="0"/>
-              <a:t>2/28/2025</a:t>
+              <a:t>3/28/2025</a:t>
             </a:fld>
             <a:endParaRPr lang="en-US"/>
           </a:p>
@@ -1839,7 +1839,7 @@
           <a:p>
             <a:fld id="{846CE7D5-CF57-46EF-B807-FDD0502418D4}" type="datetimeFigureOut">
               <a:rPr lang="en-US" smtClean="0"/>
-              <a:t>2/28/2025</a:t>
+              <a:t>3/28/2025</a:t>
             </a:fld>
             <a:endParaRPr lang="en-US"/>
           </a:p>
@@ -2116,7 +2116,7 @@
           <a:p>
             <a:fld id="{846CE7D5-CF57-46EF-B807-FDD0502418D4}" type="datetimeFigureOut">
               <a:rPr lang="en-US" smtClean="0"/>
-              <a:t>2/28/2025</a:t>
+              <a:t>3/28/2025</a:t>
             </a:fld>
             <a:endParaRPr lang="en-US"/>
           </a:p>
@@ -2373,7 +2373,7 @@
           <a:p>
             <a:fld id="{846CE7D5-CF57-46EF-B807-FDD0502418D4}" type="datetimeFigureOut">
               <a:rPr lang="en-US" smtClean="0"/>
-              <a:t>2/28/2025</a:t>
+              <a:t>3/28/2025</a:t>
             </a:fld>
             <a:endParaRPr lang="en-US"/>
           </a:p>
@@ -2586,7 +2586,7 @@
           <a:p>
             <a:fld id="{846CE7D5-CF57-46EF-B807-FDD0502418D4}" type="datetimeFigureOut">
               <a:rPr lang="en-US" smtClean="0"/>
-              <a:t>2/28/2025</a:t>
+              <a:t>3/28/2025</a:t>
             </a:fld>
             <a:endParaRPr lang="en-US"/>
           </a:p>
@@ -3887,13 +3887,13 @@
         </p:nvPicPr>
         <p:blipFill>
           <a:blip r:embed="rId2"/>
-          <a:srcRect l="26503" r="-297" b="-1154"/>
+          <a:srcRect l="28121" t="-1" r="15586" b="39493"/>
           <a:stretch/>
         </p:blipFill>
         <p:spPr>
           <a:xfrm>
-            <a:off x="3384610" y="219434"/>
-            <a:ext cx="8690586" cy="3077480"/>
+            <a:off x="409995" y="2571471"/>
+            <a:ext cx="6629434" cy="1840872"/>
           </a:xfrm>
           <a:prstGeom prst="rect">
             <a:avLst/>
@@ -3916,13 +3916,13 @@
         </p:nvPicPr>
         <p:blipFill>
           <a:blip r:embed="rId3"/>
-          <a:srcRect l="23077" r="-90" b="1303"/>
+          <a:srcRect l="26108" r="25672" b="50561"/>
           <a:stretch/>
         </p:blipFill>
         <p:spPr>
           <a:xfrm>
-            <a:off x="3798229" y="3434213"/>
-            <a:ext cx="8395271" cy="3073498"/>
+            <a:off x="409995" y="203341"/>
+            <a:ext cx="5256501" cy="1539569"/>
           </a:xfrm>
           <a:prstGeom prst="rect">
             <a:avLst/>
@@ -3943,7 +3943,7 @@
         </p:nvSpPr>
         <p:spPr>
           <a:xfrm>
-            <a:off x="9385156" y="1709165"/>
+            <a:off x="1113992" y="4110211"/>
             <a:ext cx="2707345" cy="490004"/>
           </a:xfrm>
           <a:prstGeom prst="rect">
@@ -4082,16 +4082,15 @@
               <a:rPr lang="en-US" sz="2400" dirty="0"/>
               <a:t>T_COIL_LOC</a:t>
             </a:r>
-            <a:endParaRPr lang="en-US" sz="2400"/>
-          </a:p>
-        </p:txBody>
-      </p:sp>
-      <p:sp>
-        <p:nvSpPr>
-          <p:cNvPr id="8" name="Rectangle 7">
-            <a:extLst>
-              <a:ext uri="{FF2B5EF4-FFF2-40B4-BE49-F238E27FC236}">
-                <a16:creationId xmlns:a16="http://schemas.microsoft.com/office/drawing/2014/main" id="{73F1EE0D-1351-20FE-7810-FC093345F713}"/>
+          </a:p>
+        </p:txBody>
+      </p:sp>
+      <p:sp>
+        <p:nvSpPr>
+          <p:cNvPr id="2" name="Rectangle 1">
+            <a:extLst>
+              <a:ext uri="{FF2B5EF4-FFF2-40B4-BE49-F238E27FC236}">
+                <a16:creationId xmlns:a16="http://schemas.microsoft.com/office/drawing/2014/main" id="{38EB2C1A-D226-7C2B-DE8F-A8EDCA444342}"/>
               </a:ext>
             </a:extLst>
           </p:cNvPr>
@@ -4100,8 +4099,8 @@
         </p:nvSpPr>
         <p:spPr>
           <a:xfrm>
-            <a:off x="9382182" y="4820870"/>
-            <a:ext cx="2807986" cy="461250"/>
+            <a:off x="4767" y="1267283"/>
+            <a:ext cx="2575223" cy="475627"/>
           </a:xfrm>
           <a:prstGeom prst="rect">
             <a:avLst/>
@@ -4130,107 +4129,1194 @@
         </p:style>
         <p:txBody>
           <a:bodyPr lIns="91440" tIns="45720" rIns="91440" bIns="45720" rtlCol="0" anchor="ctr"/>
-          <a:lstStyle>
-            <a:defPPr>
-              <a:defRPr lang="en-US"/>
-            </a:defPPr>
-            <a:lvl1pPr marL="0" algn="l" defTabSz="914400" rtl="0" eaLnBrk="1" latinLnBrk="0" hangingPunct="1">
-              <a:defRPr sz="1800" kern="1200">
-                <a:solidFill>
-                  <a:schemeClr val="lt1"/>
-                </a:solidFill>
-                <a:latin typeface="+mn-lt"/>
-                <a:ea typeface="+mn-ea"/>
-                <a:cs typeface="+mn-cs"/>
-              </a:defRPr>
-            </a:lvl1pPr>
-            <a:lvl2pPr marL="457200" algn="l" defTabSz="914400" rtl="0" eaLnBrk="1" latinLnBrk="0" hangingPunct="1">
-              <a:defRPr sz="1800" kern="1200">
-                <a:solidFill>
-                  <a:schemeClr val="lt1"/>
-                </a:solidFill>
-                <a:latin typeface="+mn-lt"/>
-                <a:ea typeface="+mn-ea"/>
-                <a:cs typeface="+mn-cs"/>
-              </a:defRPr>
-            </a:lvl2pPr>
-            <a:lvl3pPr marL="914400" algn="l" defTabSz="914400" rtl="0" eaLnBrk="1" latinLnBrk="0" hangingPunct="1">
-              <a:defRPr sz="1800" kern="1200">
-                <a:solidFill>
-                  <a:schemeClr val="lt1"/>
-                </a:solidFill>
-                <a:latin typeface="+mn-lt"/>
-                <a:ea typeface="+mn-ea"/>
-                <a:cs typeface="+mn-cs"/>
-              </a:defRPr>
-            </a:lvl3pPr>
-            <a:lvl4pPr marL="1371600" algn="l" defTabSz="914400" rtl="0" eaLnBrk="1" latinLnBrk="0" hangingPunct="1">
-              <a:defRPr sz="1800" kern="1200">
-                <a:solidFill>
-                  <a:schemeClr val="lt1"/>
-                </a:solidFill>
-                <a:latin typeface="+mn-lt"/>
-                <a:ea typeface="+mn-ea"/>
-                <a:cs typeface="+mn-cs"/>
-              </a:defRPr>
-            </a:lvl4pPr>
-            <a:lvl5pPr marL="1828800" algn="l" defTabSz="914400" rtl="0" eaLnBrk="1" latinLnBrk="0" hangingPunct="1">
-              <a:defRPr sz="1800" kern="1200">
-                <a:solidFill>
-                  <a:schemeClr val="lt1"/>
-                </a:solidFill>
-                <a:latin typeface="+mn-lt"/>
-                <a:ea typeface="+mn-ea"/>
-                <a:cs typeface="+mn-cs"/>
-              </a:defRPr>
-            </a:lvl5pPr>
-            <a:lvl6pPr marL="2286000" algn="l" defTabSz="914400" rtl="0" eaLnBrk="1" latinLnBrk="0" hangingPunct="1">
-              <a:defRPr sz="1800" kern="1200">
-                <a:solidFill>
-                  <a:schemeClr val="lt1"/>
-                </a:solidFill>
-                <a:latin typeface="+mn-lt"/>
-                <a:ea typeface="+mn-ea"/>
-                <a:cs typeface="+mn-cs"/>
-              </a:defRPr>
-            </a:lvl6pPr>
-            <a:lvl7pPr marL="2743200" algn="l" defTabSz="914400" rtl="0" eaLnBrk="1" latinLnBrk="0" hangingPunct="1">
-              <a:defRPr sz="1800" kern="1200">
-                <a:solidFill>
-                  <a:schemeClr val="lt1"/>
-                </a:solidFill>
-                <a:latin typeface="+mn-lt"/>
-                <a:ea typeface="+mn-ea"/>
-                <a:cs typeface="+mn-cs"/>
-              </a:defRPr>
-            </a:lvl7pPr>
-            <a:lvl8pPr marL="3200400" algn="l" defTabSz="914400" rtl="0" eaLnBrk="1" latinLnBrk="0" hangingPunct="1">
-              <a:defRPr sz="1800" kern="1200">
-                <a:solidFill>
-                  <a:schemeClr val="lt1"/>
-                </a:solidFill>
-                <a:latin typeface="+mn-lt"/>
-                <a:ea typeface="+mn-ea"/>
-                <a:cs typeface="+mn-cs"/>
-              </a:defRPr>
-            </a:lvl8pPr>
-            <a:lvl9pPr marL="3657600" algn="l" defTabSz="914400" rtl="0" eaLnBrk="1" latinLnBrk="0" hangingPunct="1">
-              <a:defRPr sz="1800" kern="1200">
-                <a:solidFill>
-                  <a:schemeClr val="lt1"/>
-                </a:solidFill>
-                <a:latin typeface="+mn-lt"/>
-                <a:ea typeface="+mn-ea"/>
-                <a:cs typeface="+mn-cs"/>
-              </a:defRPr>
-            </a:lvl9pPr>
-          </a:lstStyle>
+          <a:lstStyle/>
           <a:p>
             <a:pPr algn="ctr"/>
             <a:r>
               <a:rPr lang="en-US" sz="2400" dirty="0"/>
               <a:t>T_COIL_LOC_TEM</a:t>
             </a:r>
+          </a:p>
+        </p:txBody>
+      </p:sp>
+      <p:sp>
+        <p:nvSpPr>
+          <p:cNvPr id="3" name="Arrow: Down 2">
+            <a:extLst>
+              <a:ext uri="{FF2B5EF4-FFF2-40B4-BE49-F238E27FC236}">
+                <a16:creationId xmlns:a16="http://schemas.microsoft.com/office/drawing/2014/main" id="{ADC261E5-EE67-A938-1594-F1987C310347}"/>
+              </a:ext>
+            </a:extLst>
+          </p:cNvPr>
+          <p:cNvSpPr/>
+          <p:nvPr/>
+        </p:nvSpPr>
+        <p:spPr>
+          <a:xfrm>
+            <a:off x="1633225" y="1742910"/>
+            <a:ext cx="391885" cy="828561"/>
+          </a:xfrm>
+          <a:prstGeom prst="downArrow">
+            <a:avLst/>
+          </a:prstGeom>
+        </p:spPr>
+        <p:style>
+          <a:lnRef idx="2">
+            <a:schemeClr val="accent1">
+              <a:shade val="15000"/>
+            </a:schemeClr>
+          </a:lnRef>
+          <a:fillRef idx="1">
+            <a:schemeClr val="accent1"/>
+          </a:fillRef>
+          <a:effectRef idx="0">
+            <a:schemeClr val="accent1"/>
+          </a:effectRef>
+          <a:fontRef idx="minor">
+            <a:schemeClr val="lt1"/>
+          </a:fontRef>
+        </p:style>
+        <p:txBody>
+          <a:bodyPr rtlCol="0" anchor="ctr"/>
+          <a:lstStyle/>
+          <a:p>
+            <a:pPr algn="ctr"/>
+            <a:endParaRPr lang="en-IN"/>
+          </a:p>
+        </p:txBody>
+      </p:sp>
+      <p:sp>
+        <p:nvSpPr>
+          <p:cNvPr id="4" name="TextBox 3">
+            <a:extLst>
+              <a:ext uri="{FF2B5EF4-FFF2-40B4-BE49-F238E27FC236}">
+                <a16:creationId xmlns:a16="http://schemas.microsoft.com/office/drawing/2014/main" id="{6860506E-5E92-68CE-4CA6-F711C2BC4218}"/>
+              </a:ext>
+            </a:extLst>
+          </p:cNvPr>
+          <p:cNvSpPr txBox="1"/>
+          <p:nvPr/>
+        </p:nvSpPr>
+        <p:spPr>
+          <a:xfrm>
+            <a:off x="2599766" y="1371142"/>
+            <a:ext cx="4631215" cy="1477328"/>
+          </a:xfrm>
+          <a:prstGeom prst="rect">
+            <a:avLst/>
+          </a:prstGeom>
+          <a:solidFill>
+            <a:srgbClr val="FFFF00"/>
+          </a:solidFill>
+        </p:spPr>
+        <p:txBody>
+          <a:bodyPr wrap="square" rtlCol="0">
+            <a:spAutoFit/>
+          </a:bodyPr>
+          <a:lstStyle/>
+          <a:p>
+            <a:r>
+              <a:rPr lang="en-US" dirty="0">
+                <a:highlight>
+                  <a:srgbClr val="FFFF00"/>
+                </a:highlight>
+              </a:rPr>
+              <a:t>On every </a:t>
+            </a:r>
+            <a:r>
+              <a:rPr lang="en-US" dirty="0" err="1">
+                <a:highlight>
+                  <a:srgbClr val="FFFF00"/>
+                </a:highlight>
+              </a:rPr>
+              <a:t>Uncoiler</a:t>
+            </a:r>
+            <a:r>
+              <a:rPr lang="en-US" dirty="0">
+                <a:highlight>
+                  <a:srgbClr val="FFFF00"/>
+                </a:highlight>
+              </a:rPr>
+              <a:t>(POR1/POR2) selection </a:t>
+            </a:r>
+            <a:r>
+              <a:rPr lang="en-US" dirty="0" err="1">
+                <a:highlight>
+                  <a:srgbClr val="FFFF00"/>
+                </a:highlight>
+              </a:rPr>
+              <a:t>Coil_Id</a:t>
+            </a:r>
+            <a:r>
+              <a:rPr lang="en-US" dirty="0">
+                <a:highlight>
+                  <a:srgbClr val="FFFF00"/>
+                </a:highlight>
+              </a:rPr>
+              <a:t> and   with minimum No. of </a:t>
+            </a:r>
+            <a:r>
+              <a:rPr lang="en-US" dirty="0" err="1">
+                <a:highlight>
+                  <a:srgbClr val="FFFF00"/>
+                </a:highlight>
+              </a:rPr>
+              <a:t>SEQ_No</a:t>
+            </a:r>
+            <a:r>
+              <a:rPr lang="en-US" dirty="0">
+                <a:highlight>
+                  <a:srgbClr val="FFFF00"/>
+                </a:highlight>
+              </a:rPr>
+              <a:t>. data(Seq_No.,</a:t>
+            </a:r>
+            <a:r>
+              <a:rPr lang="en-US" dirty="0" err="1">
+                <a:highlight>
+                  <a:srgbClr val="FFFF00"/>
+                </a:highlight>
+              </a:rPr>
+              <a:t>Coil_Id</a:t>
+            </a:r>
+            <a:r>
+              <a:rPr lang="en-US" dirty="0">
+                <a:highlight>
+                  <a:srgbClr val="FFFF00"/>
+                </a:highlight>
+              </a:rPr>
+              <a:t>) will be updated as Loc(POR) selection into </a:t>
+            </a:r>
+            <a:r>
+              <a:rPr lang="en-US" dirty="0">
+                <a:solidFill>
+                  <a:srgbClr val="FF0000"/>
+                </a:solidFill>
+                <a:highlight>
+                  <a:srgbClr val="000080"/>
+                </a:highlight>
+              </a:rPr>
+              <a:t>T_COIL_LOC </a:t>
+            </a:r>
+            <a:r>
+              <a:rPr lang="en-US" dirty="0">
+                <a:highlight>
+                  <a:srgbClr val="FFFF00"/>
+                </a:highlight>
+              </a:rPr>
+              <a:t>Table and deleted from </a:t>
+            </a:r>
+            <a:r>
+              <a:rPr lang="en-US" dirty="0">
+                <a:solidFill>
+                  <a:srgbClr val="FF0000"/>
+                </a:solidFill>
+                <a:highlight>
+                  <a:srgbClr val="000080"/>
+                </a:highlight>
+              </a:rPr>
+              <a:t>T_COIL_LOC_TEM </a:t>
+            </a:r>
+            <a:r>
+              <a:rPr lang="en-US" dirty="0">
+                <a:highlight>
+                  <a:srgbClr val="FFFF00"/>
+                </a:highlight>
+              </a:rPr>
+              <a:t>table.</a:t>
+            </a:r>
+            <a:endParaRPr lang="en-IN" dirty="0">
+              <a:highlight>
+                <a:srgbClr val="FFFF00"/>
+              </a:highlight>
+            </a:endParaRPr>
+          </a:p>
+        </p:txBody>
+      </p:sp>
+      <p:sp>
+        <p:nvSpPr>
+          <p:cNvPr id="13" name="Rectangle 1">
+            <a:extLst>
+              <a:ext uri="{FF2B5EF4-FFF2-40B4-BE49-F238E27FC236}">
+                <a16:creationId xmlns:a16="http://schemas.microsoft.com/office/drawing/2014/main" id="{4BAF2CFD-CC7E-329A-5E6E-538A14BF75A7}"/>
+              </a:ext>
+            </a:extLst>
+          </p:cNvPr>
+          <p:cNvSpPr>
+            <a:spLocks noChangeArrowheads="1"/>
+          </p:cNvSpPr>
+          <p:nvPr/>
+        </p:nvSpPr>
+        <p:spPr bwMode="auto">
+          <a:xfrm>
+            <a:off x="5841121" y="197634"/>
+            <a:ext cx="5256501" cy="934241"/>
+          </a:xfrm>
+          <a:prstGeom prst="rect">
+            <a:avLst/>
+          </a:prstGeom>
+          <a:solidFill>
+            <a:schemeClr val="accent6">
+              <a:lumMod val="75000"/>
+            </a:schemeClr>
+          </a:solidFill>
+          <a:ln>
+            <a:noFill/>
+          </a:ln>
+          <a:effectLst/>
+        </p:spPr>
+        <p:txBody>
+          <a:bodyPr vert="horz" wrap="square" lIns="0" tIns="-17457" rIns="0" bIns="-17457" numCol="1" anchor="ctr" anchorCtr="0" compatLnSpc="1">
+            <a:prstTxWarp prst="textNoShape">
+              <a:avLst/>
+            </a:prstTxWarp>
+            <a:spAutoFit/>
+          </a:bodyPr>
+          <a:lstStyle/>
+          <a:p>
+            <a:pPr marL="0" marR="0" lvl="0" indent="0" algn="l" defTabSz="914400" rtl="0" eaLnBrk="0" fontAlgn="base" latinLnBrk="0" hangingPunct="0">
+              <a:lnSpc>
+                <a:spcPct val="100000"/>
+              </a:lnSpc>
+              <a:spcBef>
+                <a:spcPct val="0"/>
+              </a:spcBef>
+              <a:spcAft>
+                <a:spcPct val="0"/>
+              </a:spcAft>
+              <a:buClrTx/>
+              <a:buSzTx/>
+              <a:buFontTx/>
+              <a:buNone/>
+              <a:tabLst/>
+            </a:pPr>
+            <a:r>
+              <a:rPr kumimoji="0" lang="en-US" altLang="en-US" sz="2100" b="0" i="0" u="none" strike="noStrike" cap="none" normalizeH="0" baseline="0" dirty="0">
+                <a:ln>
+                  <a:noFill/>
+                </a:ln>
+                <a:solidFill>
+                  <a:srgbClr val="E8EAED"/>
+                </a:solidFill>
+                <a:effectLst/>
+                <a:latin typeface="inherit"/>
+              </a:rPr>
+              <a:t>As each </a:t>
+            </a:r>
+            <a:r>
+              <a:rPr kumimoji="0" lang="en-US" altLang="en-US" sz="2100" b="0" i="0" u="none" strike="noStrike" cap="none" normalizeH="0" baseline="0" dirty="0" err="1">
+                <a:ln>
+                  <a:noFill/>
+                </a:ln>
+                <a:solidFill>
+                  <a:srgbClr val="E8EAED"/>
+                </a:solidFill>
+                <a:effectLst/>
+                <a:latin typeface="inherit"/>
+              </a:rPr>
+              <a:t>Coil_Id</a:t>
+            </a:r>
+            <a:r>
+              <a:rPr kumimoji="0" lang="en-US" altLang="en-US" sz="2100" b="0" i="0" u="none" strike="noStrike" cap="none" normalizeH="0" baseline="0" dirty="0">
+                <a:ln>
+                  <a:noFill/>
+                </a:ln>
+                <a:solidFill>
+                  <a:srgbClr val="E8EAED"/>
+                </a:solidFill>
+                <a:effectLst/>
+                <a:latin typeface="inherit"/>
+              </a:rPr>
+              <a:t> will be scheduled from MES, then sequence no. By increasing 1 , New row into </a:t>
+            </a:r>
+            <a:r>
+              <a:rPr kumimoji="0" lang="en-US" altLang="en-US" sz="2100" b="0" i="0" u="none" strike="noStrike" cap="none" normalizeH="0" baseline="0" dirty="0" err="1">
+                <a:ln>
+                  <a:noFill/>
+                </a:ln>
+                <a:solidFill>
+                  <a:srgbClr val="FF0000"/>
+                </a:solidFill>
+                <a:effectLst/>
+                <a:highlight>
+                  <a:srgbClr val="000080"/>
+                </a:highlight>
+                <a:latin typeface="inherit"/>
+              </a:rPr>
+              <a:t>T_</a:t>
+            </a:r>
+            <a:r>
+              <a:rPr lang="en-US" altLang="en-US" sz="2100" dirty="0" err="1">
+                <a:solidFill>
+                  <a:srgbClr val="FF0000"/>
+                </a:solidFill>
+                <a:highlight>
+                  <a:srgbClr val="000080"/>
+                </a:highlight>
+                <a:latin typeface="inherit"/>
+              </a:rPr>
+              <a:t>T</a:t>
+            </a:r>
+            <a:r>
+              <a:rPr kumimoji="0" lang="en-US" altLang="en-US" sz="2100" b="0" i="0" u="none" strike="noStrike" cap="none" normalizeH="0" baseline="0" dirty="0" err="1">
+                <a:ln>
+                  <a:noFill/>
+                </a:ln>
+                <a:solidFill>
+                  <a:srgbClr val="FF0000"/>
+                </a:solidFill>
+                <a:effectLst/>
+                <a:highlight>
+                  <a:srgbClr val="000080"/>
+                </a:highlight>
+                <a:latin typeface="inherit"/>
+              </a:rPr>
+              <a:t>emp_</a:t>
+            </a:r>
+            <a:r>
+              <a:rPr lang="en-US" altLang="en-US" sz="2100" dirty="0" err="1">
+                <a:solidFill>
+                  <a:srgbClr val="FF0000"/>
+                </a:solidFill>
+                <a:highlight>
+                  <a:srgbClr val="000080"/>
+                </a:highlight>
+                <a:latin typeface="inherit"/>
+              </a:rPr>
+              <a:t>L</a:t>
+            </a:r>
+            <a:r>
+              <a:rPr kumimoji="0" lang="en-US" altLang="en-US" sz="2100" b="0" i="0" u="none" strike="noStrike" cap="none" normalizeH="0" baseline="0" dirty="0" err="1">
+                <a:ln>
+                  <a:noFill/>
+                </a:ln>
+                <a:solidFill>
+                  <a:srgbClr val="FF0000"/>
+                </a:solidFill>
+                <a:effectLst/>
+                <a:highlight>
+                  <a:srgbClr val="000080"/>
+                </a:highlight>
+                <a:latin typeface="inherit"/>
+              </a:rPr>
+              <a:t>oc_Temp</a:t>
+            </a:r>
+            <a:r>
+              <a:rPr kumimoji="0" lang="en-US" altLang="en-US" sz="2100" b="0" i="0" u="none" strike="noStrike" cap="none" normalizeH="0" baseline="0" dirty="0">
+                <a:ln>
+                  <a:noFill/>
+                </a:ln>
+                <a:solidFill>
+                  <a:srgbClr val="FF0000"/>
+                </a:solidFill>
+                <a:effectLst/>
+                <a:highlight>
+                  <a:srgbClr val="000080"/>
+                </a:highlight>
+                <a:latin typeface="inherit"/>
+              </a:rPr>
+              <a:t> </a:t>
+            </a:r>
+            <a:r>
+              <a:rPr kumimoji="0" lang="en-US" altLang="en-US" sz="2100" b="0" i="0" u="none" strike="noStrike" cap="none" normalizeH="0" baseline="0" dirty="0">
+                <a:ln>
+                  <a:noFill/>
+                </a:ln>
+                <a:solidFill>
+                  <a:srgbClr val="E8EAED"/>
+                </a:solidFill>
+                <a:effectLst/>
+                <a:latin typeface="inherit"/>
+              </a:rPr>
+              <a:t>will be inserted.</a:t>
+            </a:r>
+            <a:r>
+              <a:rPr kumimoji="0" lang="en-US" altLang="en-US" sz="1100" b="0" i="0" u="none" strike="noStrike" cap="none" normalizeH="0" baseline="0" dirty="0">
+                <a:ln>
+                  <a:noFill/>
+                </a:ln>
+                <a:solidFill>
+                  <a:schemeClr val="tx1"/>
+                </a:solidFill>
+                <a:effectLst/>
+              </a:rPr>
+              <a:t> </a:t>
+            </a:r>
+            <a:endParaRPr kumimoji="0" lang="en-US" altLang="en-US" sz="1800" b="0" i="0" u="none" strike="noStrike" cap="none" normalizeH="0" baseline="0" dirty="0">
+              <a:ln>
+                <a:noFill/>
+              </a:ln>
+              <a:solidFill>
+                <a:schemeClr val="tx1"/>
+              </a:solidFill>
+              <a:effectLst/>
+              <a:latin typeface="Arial" panose="020B0604020202020204" pitchFamily="34" charset="0"/>
+            </a:endParaRPr>
+          </a:p>
+        </p:txBody>
+      </p:sp>
+      <p:sp>
+        <p:nvSpPr>
+          <p:cNvPr id="14" name="Rectangle 13">
+            <a:extLst>
+              <a:ext uri="{FF2B5EF4-FFF2-40B4-BE49-F238E27FC236}">
+                <a16:creationId xmlns:a16="http://schemas.microsoft.com/office/drawing/2014/main" id="{09462C52-A9F2-9DB9-88CF-3D18EF3E3D50}"/>
+              </a:ext>
+            </a:extLst>
+          </p:cNvPr>
+          <p:cNvSpPr/>
+          <p:nvPr/>
+        </p:nvSpPr>
+        <p:spPr>
+          <a:xfrm>
+            <a:off x="10726057" y="197634"/>
+            <a:ext cx="827314" cy="353909"/>
+          </a:xfrm>
+          <a:prstGeom prst="rect">
+            <a:avLst/>
+          </a:prstGeom>
+          <a:solidFill>
+            <a:srgbClr val="FF0000"/>
+          </a:solidFill>
+        </p:spPr>
+        <p:style>
+          <a:lnRef idx="2">
+            <a:schemeClr val="accent1">
+              <a:shade val="15000"/>
+            </a:schemeClr>
+          </a:lnRef>
+          <a:fillRef idx="1">
+            <a:schemeClr val="accent1"/>
+          </a:fillRef>
+          <a:effectRef idx="0">
+            <a:schemeClr val="accent1"/>
+          </a:effectRef>
+          <a:fontRef idx="minor">
+            <a:schemeClr val="lt1"/>
+          </a:fontRef>
+        </p:style>
+        <p:txBody>
+          <a:bodyPr rtlCol="0" anchor="ctr"/>
+          <a:lstStyle/>
+          <a:p>
+            <a:pPr algn="ctr"/>
+            <a:r>
+              <a:rPr lang="en-US" dirty="0"/>
+              <a:t>NOTE</a:t>
+            </a:r>
+            <a:endParaRPr lang="en-IN" dirty="0"/>
+          </a:p>
+        </p:txBody>
+      </p:sp>
+      <p:pic>
+        <p:nvPicPr>
+          <p:cNvPr id="9" name="Picture 8">
+            <a:extLst>
+              <a:ext uri="{FF2B5EF4-FFF2-40B4-BE49-F238E27FC236}">
+                <a16:creationId xmlns:a16="http://schemas.microsoft.com/office/drawing/2014/main" id="{09286F32-B2AF-4D5B-EED3-C3CB5BB51CEF}"/>
+              </a:ext>
+            </a:extLst>
+          </p:cNvPr>
+          <p:cNvPicPr>
+            <a:picLocks noChangeAspect="1"/>
+          </p:cNvPicPr>
+          <p:nvPr/>
+        </p:nvPicPr>
+        <p:blipFill>
+          <a:blip r:embed="rId4"/>
+          <a:stretch>
+            <a:fillRect/>
+          </a:stretch>
+        </p:blipFill>
+        <p:spPr>
+          <a:xfrm>
+            <a:off x="10217272" y="1742909"/>
+            <a:ext cx="1514286" cy="1152381"/>
+          </a:xfrm>
+          <a:prstGeom prst="rect">
+            <a:avLst/>
+          </a:prstGeom>
+        </p:spPr>
+      </p:pic>
+      <p:pic>
+        <p:nvPicPr>
+          <p:cNvPr id="11" name="Picture 10">
+            <a:extLst>
+              <a:ext uri="{FF2B5EF4-FFF2-40B4-BE49-F238E27FC236}">
+                <a16:creationId xmlns:a16="http://schemas.microsoft.com/office/drawing/2014/main" id="{E8E71580-2E7D-9CB6-44AA-BA70B94253F8}"/>
+              </a:ext>
+            </a:extLst>
+          </p:cNvPr>
+          <p:cNvPicPr>
+            <a:picLocks noChangeAspect="1"/>
+          </p:cNvPicPr>
+          <p:nvPr/>
+        </p:nvPicPr>
+        <p:blipFill>
+          <a:blip r:embed="rId4"/>
+          <a:stretch>
+            <a:fillRect/>
+          </a:stretch>
+        </p:blipFill>
+        <p:spPr>
+          <a:xfrm>
+            <a:off x="8262659" y="1742910"/>
+            <a:ext cx="1514286" cy="1152381"/>
+          </a:xfrm>
+          <a:prstGeom prst="rect">
+            <a:avLst/>
+          </a:prstGeom>
+        </p:spPr>
+      </p:pic>
+      <p:sp>
+        <p:nvSpPr>
+          <p:cNvPr id="12" name="Rectangle 11">
+            <a:extLst>
+              <a:ext uri="{FF2B5EF4-FFF2-40B4-BE49-F238E27FC236}">
+                <a16:creationId xmlns:a16="http://schemas.microsoft.com/office/drawing/2014/main" id="{71B8C784-D779-8204-9D7E-88052A165983}"/>
+              </a:ext>
+            </a:extLst>
+          </p:cNvPr>
+          <p:cNvSpPr/>
+          <p:nvPr/>
+        </p:nvSpPr>
+        <p:spPr>
+          <a:xfrm>
+            <a:off x="8262659" y="2895290"/>
+            <a:ext cx="1514286" cy="305110"/>
+          </a:xfrm>
+          <a:prstGeom prst="rect">
+            <a:avLst/>
+          </a:prstGeom>
+          <a:solidFill>
+            <a:srgbClr val="C00000"/>
+          </a:solidFill>
+        </p:spPr>
+        <p:style>
+          <a:lnRef idx="2">
+            <a:schemeClr val="accent1">
+              <a:shade val="15000"/>
+            </a:schemeClr>
+          </a:lnRef>
+          <a:fillRef idx="1">
+            <a:schemeClr val="accent1"/>
+          </a:fillRef>
+          <a:effectRef idx="0">
+            <a:schemeClr val="accent1"/>
+          </a:effectRef>
+          <a:fontRef idx="minor">
+            <a:schemeClr val="lt1"/>
+          </a:fontRef>
+        </p:style>
+        <p:txBody>
+          <a:bodyPr rtlCol="0" anchor="ctr"/>
+          <a:lstStyle/>
+          <a:p>
+            <a:pPr algn="ctr"/>
+            <a:r>
+              <a:rPr lang="en-US" dirty="0"/>
+              <a:t>Coiler 1</a:t>
+            </a:r>
+            <a:endParaRPr lang="en-IN" dirty="0"/>
+          </a:p>
+        </p:txBody>
+      </p:sp>
+      <p:sp>
+        <p:nvSpPr>
+          <p:cNvPr id="15" name="Rectangle 14">
+            <a:extLst>
+              <a:ext uri="{FF2B5EF4-FFF2-40B4-BE49-F238E27FC236}">
+                <a16:creationId xmlns:a16="http://schemas.microsoft.com/office/drawing/2014/main" id="{E51EFB34-8B9F-6029-5C9A-70ABAD6DF273}"/>
+              </a:ext>
+            </a:extLst>
+          </p:cNvPr>
+          <p:cNvSpPr/>
+          <p:nvPr/>
+        </p:nvSpPr>
+        <p:spPr>
+          <a:xfrm>
+            <a:off x="10216149" y="2881430"/>
+            <a:ext cx="1514286" cy="305110"/>
+          </a:xfrm>
+          <a:prstGeom prst="rect">
+            <a:avLst/>
+          </a:prstGeom>
+          <a:solidFill>
+            <a:srgbClr val="C00000"/>
+          </a:solidFill>
+        </p:spPr>
+        <p:style>
+          <a:lnRef idx="2">
+            <a:schemeClr val="accent1">
+              <a:shade val="15000"/>
+            </a:schemeClr>
+          </a:lnRef>
+          <a:fillRef idx="1">
+            <a:schemeClr val="accent1"/>
+          </a:fillRef>
+          <a:effectRef idx="0">
+            <a:schemeClr val="accent1"/>
+          </a:effectRef>
+          <a:fontRef idx="minor">
+            <a:schemeClr val="lt1"/>
+          </a:fontRef>
+        </p:style>
+        <p:txBody>
+          <a:bodyPr rtlCol="0" anchor="ctr"/>
+          <a:lstStyle/>
+          <a:p>
+            <a:pPr algn="ctr"/>
+            <a:r>
+              <a:rPr lang="en-US" dirty="0"/>
+              <a:t>Coiler 2</a:t>
+            </a:r>
+            <a:endParaRPr lang="en-IN" dirty="0"/>
+          </a:p>
+        </p:txBody>
+      </p:sp>
+      <p:sp>
+        <p:nvSpPr>
+          <p:cNvPr id="17" name="Arrow: Bent-Up 16">
+            <a:extLst>
+              <a:ext uri="{FF2B5EF4-FFF2-40B4-BE49-F238E27FC236}">
+                <a16:creationId xmlns:a16="http://schemas.microsoft.com/office/drawing/2014/main" id="{659152D0-51A4-B8B7-1B65-B58AF9208BD6}"/>
+              </a:ext>
+            </a:extLst>
+          </p:cNvPr>
+          <p:cNvSpPr/>
+          <p:nvPr/>
+        </p:nvSpPr>
+        <p:spPr>
+          <a:xfrm rot="5400000" flipV="1">
+            <a:off x="7808252" y="2449579"/>
+            <a:ext cx="553404" cy="2091045"/>
+          </a:xfrm>
+          <a:prstGeom prst="bentUpArrow">
+            <a:avLst/>
+          </a:prstGeom>
+        </p:spPr>
+        <p:style>
+          <a:lnRef idx="2">
+            <a:schemeClr val="accent1">
+              <a:shade val="15000"/>
+            </a:schemeClr>
+          </a:lnRef>
+          <a:fillRef idx="1">
+            <a:schemeClr val="accent1"/>
+          </a:fillRef>
+          <a:effectRef idx="0">
+            <a:schemeClr val="accent1"/>
+          </a:effectRef>
+          <a:fontRef idx="minor">
+            <a:schemeClr val="lt1"/>
+          </a:fontRef>
+        </p:style>
+        <p:txBody>
+          <a:bodyPr rtlCol="0" anchor="ctr"/>
+          <a:lstStyle/>
+          <a:p>
+            <a:pPr algn="ctr"/>
+            <a:endParaRPr lang="en-IN"/>
+          </a:p>
+        </p:txBody>
+      </p:sp>
+      <p:sp>
+        <p:nvSpPr>
+          <p:cNvPr id="19" name="Arrow: Bent-Up 18">
+            <a:extLst>
+              <a:ext uri="{FF2B5EF4-FFF2-40B4-BE49-F238E27FC236}">
+                <a16:creationId xmlns:a16="http://schemas.microsoft.com/office/drawing/2014/main" id="{82231134-6E8C-8370-65D6-C5EFC36400DE}"/>
+              </a:ext>
+            </a:extLst>
+          </p:cNvPr>
+          <p:cNvSpPr/>
+          <p:nvPr/>
+        </p:nvSpPr>
+        <p:spPr>
+          <a:xfrm rot="5400000" flipV="1">
+            <a:off x="9964434" y="2424869"/>
+            <a:ext cx="540355" cy="2153514"/>
+          </a:xfrm>
+          <a:prstGeom prst="bentUpArrow">
+            <a:avLst/>
+          </a:prstGeom>
+        </p:spPr>
+        <p:style>
+          <a:lnRef idx="2">
+            <a:schemeClr val="accent1">
+              <a:shade val="15000"/>
+            </a:schemeClr>
+          </a:lnRef>
+          <a:fillRef idx="1">
+            <a:schemeClr val="accent1"/>
+          </a:fillRef>
+          <a:effectRef idx="0">
+            <a:schemeClr val="accent1"/>
+          </a:effectRef>
+          <a:fontRef idx="minor">
+            <a:schemeClr val="lt1"/>
+          </a:fontRef>
+        </p:style>
+        <p:txBody>
+          <a:bodyPr rtlCol="0" anchor="ctr"/>
+          <a:lstStyle/>
+          <a:p>
+            <a:pPr algn="ctr"/>
+            <a:endParaRPr lang="en-IN" dirty="0"/>
+          </a:p>
+        </p:txBody>
+      </p:sp>
+      <p:sp>
+        <p:nvSpPr>
+          <p:cNvPr id="22" name="Arrow: Left 21">
+            <a:extLst>
+              <a:ext uri="{FF2B5EF4-FFF2-40B4-BE49-F238E27FC236}">
+                <a16:creationId xmlns:a16="http://schemas.microsoft.com/office/drawing/2014/main" id="{F43A092B-3EDC-091F-75F7-87D4B72BBE0B}"/>
+              </a:ext>
+            </a:extLst>
+          </p:cNvPr>
+          <p:cNvSpPr/>
+          <p:nvPr/>
+        </p:nvSpPr>
+        <p:spPr>
+          <a:xfrm>
+            <a:off x="7358081" y="3345870"/>
+            <a:ext cx="1688939" cy="553402"/>
+          </a:xfrm>
+          <a:prstGeom prst="leftArrow">
+            <a:avLst/>
+          </a:prstGeom>
+          <a:solidFill>
+            <a:srgbClr val="FF0000"/>
+          </a:solidFill>
+        </p:spPr>
+        <p:style>
+          <a:lnRef idx="2">
+            <a:schemeClr val="accent1">
+              <a:shade val="15000"/>
+            </a:schemeClr>
+          </a:lnRef>
+          <a:fillRef idx="1">
+            <a:schemeClr val="accent1"/>
+          </a:fillRef>
+          <a:effectRef idx="0">
+            <a:schemeClr val="accent1"/>
+          </a:effectRef>
+          <a:fontRef idx="minor">
+            <a:schemeClr val="lt1"/>
+          </a:fontRef>
+        </p:style>
+        <p:txBody>
+          <a:bodyPr rtlCol="0" anchor="ctr"/>
+          <a:lstStyle/>
+          <a:p>
+            <a:pPr algn="ctr"/>
+            <a:r>
+              <a:rPr lang="en-US" dirty="0"/>
+              <a:t>Signal(POR1)</a:t>
+            </a:r>
+            <a:endParaRPr lang="en-IN" dirty="0"/>
+          </a:p>
+        </p:txBody>
+      </p:sp>
+      <p:sp>
+        <p:nvSpPr>
+          <p:cNvPr id="25" name="Arrow: Left 24">
+            <a:extLst>
+              <a:ext uri="{FF2B5EF4-FFF2-40B4-BE49-F238E27FC236}">
+                <a16:creationId xmlns:a16="http://schemas.microsoft.com/office/drawing/2014/main" id="{4FAE2AD6-DEB0-9480-DD3D-FF8831CDE7E0}"/>
+              </a:ext>
+            </a:extLst>
+          </p:cNvPr>
+          <p:cNvSpPr/>
+          <p:nvPr/>
+        </p:nvSpPr>
+        <p:spPr>
+          <a:xfrm>
+            <a:off x="9450778" y="3382768"/>
+            <a:ext cx="1688936" cy="553402"/>
+          </a:xfrm>
+          <a:prstGeom prst="leftArrow">
+            <a:avLst/>
+          </a:prstGeom>
+          <a:solidFill>
+            <a:srgbClr val="FF0000"/>
+          </a:solidFill>
+        </p:spPr>
+        <p:style>
+          <a:lnRef idx="2">
+            <a:schemeClr val="accent1">
+              <a:shade val="15000"/>
+            </a:schemeClr>
+          </a:lnRef>
+          <a:fillRef idx="1">
+            <a:schemeClr val="accent1"/>
+          </a:fillRef>
+          <a:effectRef idx="0">
+            <a:schemeClr val="accent1"/>
+          </a:effectRef>
+          <a:fontRef idx="minor">
+            <a:schemeClr val="lt1"/>
+          </a:fontRef>
+        </p:style>
+        <p:txBody>
+          <a:bodyPr rtlCol="0" anchor="ctr"/>
+          <a:lstStyle/>
+          <a:p>
+            <a:pPr algn="ctr"/>
+            <a:r>
+              <a:rPr lang="en-US" dirty="0"/>
+              <a:t>Signal(POR2)</a:t>
+            </a:r>
+            <a:endParaRPr lang="en-IN" dirty="0"/>
+          </a:p>
+        </p:txBody>
+      </p:sp>
+      <p:pic>
+        <p:nvPicPr>
+          <p:cNvPr id="28" name="Picture 27" descr="A screenshot of a computer&#10;&#10;AI-generated content may be incorrect.">
+            <a:extLst>
+              <a:ext uri="{FF2B5EF4-FFF2-40B4-BE49-F238E27FC236}">
+                <a16:creationId xmlns:a16="http://schemas.microsoft.com/office/drawing/2014/main" id="{2BA65C55-B95C-0C5A-2F4A-A9361BBCC9B8}"/>
+              </a:ext>
+            </a:extLst>
+          </p:cNvPr>
+          <p:cNvPicPr>
+            <a:picLocks noChangeAspect="1"/>
+          </p:cNvPicPr>
+          <p:nvPr/>
+        </p:nvPicPr>
+        <p:blipFill>
+          <a:blip r:embed="rId5"/>
+          <a:srcRect l="24662" t="20745" r="150" b="-532"/>
+          <a:stretch/>
+        </p:blipFill>
+        <p:spPr>
+          <a:xfrm>
+            <a:off x="5630754" y="4714899"/>
+            <a:ext cx="6567248" cy="1975935"/>
+          </a:xfrm>
+          <a:prstGeom prst="rect">
+            <a:avLst/>
+          </a:prstGeom>
+        </p:spPr>
+      </p:pic>
+      <p:sp>
+        <p:nvSpPr>
+          <p:cNvPr id="29" name="Rectangle 28">
+            <a:extLst>
+              <a:ext uri="{FF2B5EF4-FFF2-40B4-BE49-F238E27FC236}">
+                <a16:creationId xmlns:a16="http://schemas.microsoft.com/office/drawing/2014/main" id="{CF7C64B7-218A-0B38-ECB6-047AF1D2FA0F}"/>
+              </a:ext>
+            </a:extLst>
+          </p:cNvPr>
+          <p:cNvSpPr/>
+          <p:nvPr/>
+        </p:nvSpPr>
+        <p:spPr>
+          <a:xfrm>
+            <a:off x="9297156" y="6215043"/>
+            <a:ext cx="2811705" cy="475627"/>
+          </a:xfrm>
+          <a:prstGeom prst="rect">
+            <a:avLst/>
+          </a:prstGeom>
+          <a:solidFill>
+            <a:schemeClr val="accent2">
+              <a:lumMod val="75000"/>
+            </a:schemeClr>
+          </a:solidFill>
+        </p:spPr>
+        <p:style>
+          <a:lnRef idx="2">
+            <a:schemeClr val="accent1">
+              <a:shade val="15000"/>
+            </a:schemeClr>
+          </a:lnRef>
+          <a:fillRef idx="1">
+            <a:schemeClr val="accent1"/>
+          </a:fillRef>
+          <a:effectRef idx="0">
+            <a:schemeClr val="accent1"/>
+          </a:effectRef>
+          <a:fontRef idx="minor">
+            <a:schemeClr val="lt1"/>
+          </a:fontRef>
+        </p:style>
+        <p:txBody>
+          <a:bodyPr lIns="91440" tIns="45720" rIns="91440" bIns="45720" rtlCol="0" anchor="ctr"/>
+          <a:lstStyle/>
+          <a:p>
+            <a:pPr algn="ctr"/>
+            <a:r>
+              <a:rPr lang="en-US" sz="2400" dirty="0"/>
+              <a:t>T_EVENT_LOG</a:t>
+            </a:r>
+          </a:p>
+        </p:txBody>
+      </p:sp>
+      <p:pic>
+        <p:nvPicPr>
+          <p:cNvPr id="31" name="Picture 30">
+            <a:extLst>
+              <a:ext uri="{FF2B5EF4-FFF2-40B4-BE49-F238E27FC236}">
+                <a16:creationId xmlns:a16="http://schemas.microsoft.com/office/drawing/2014/main" id="{915DCAC5-0889-AF0D-2B33-137E6AD3E22A}"/>
+              </a:ext>
+            </a:extLst>
+          </p:cNvPr>
+          <p:cNvPicPr>
+            <a:picLocks noChangeAspect="1"/>
+          </p:cNvPicPr>
+          <p:nvPr/>
+        </p:nvPicPr>
+        <p:blipFill>
+          <a:blip r:embed="rId6"/>
+          <a:stretch>
+            <a:fillRect/>
+          </a:stretch>
+        </p:blipFill>
+        <p:spPr>
+          <a:xfrm>
+            <a:off x="83139" y="5115090"/>
+            <a:ext cx="3200388" cy="1389609"/>
+          </a:xfrm>
+          <a:prstGeom prst="rect">
+            <a:avLst/>
+          </a:prstGeom>
+        </p:spPr>
+      </p:pic>
+      <p:sp>
+        <p:nvSpPr>
+          <p:cNvPr id="32" name="Arrow: Right 31">
+            <a:extLst>
+              <a:ext uri="{FF2B5EF4-FFF2-40B4-BE49-F238E27FC236}">
+                <a16:creationId xmlns:a16="http://schemas.microsoft.com/office/drawing/2014/main" id="{7A32F376-129B-0574-3A7A-2D91E8A13847}"/>
+              </a:ext>
+            </a:extLst>
+          </p:cNvPr>
+          <p:cNvSpPr/>
+          <p:nvPr/>
+        </p:nvSpPr>
+        <p:spPr>
+          <a:xfrm>
+            <a:off x="3255814" y="6289787"/>
+            <a:ext cx="2347227" cy="326138"/>
+          </a:xfrm>
+          <a:prstGeom prst="rightArrow">
+            <a:avLst/>
+          </a:prstGeom>
+        </p:spPr>
+        <p:style>
+          <a:lnRef idx="2">
+            <a:schemeClr val="accent1">
+              <a:shade val="15000"/>
+            </a:schemeClr>
+          </a:lnRef>
+          <a:fillRef idx="1">
+            <a:schemeClr val="accent1"/>
+          </a:fillRef>
+          <a:effectRef idx="0">
+            <a:schemeClr val="accent1"/>
+          </a:effectRef>
+          <a:fontRef idx="minor">
+            <a:schemeClr val="lt1"/>
+          </a:fontRef>
+        </p:style>
+        <p:txBody>
+          <a:bodyPr rtlCol="0" anchor="ctr"/>
+          <a:lstStyle/>
+          <a:p>
+            <a:pPr algn="ctr"/>
+            <a:endParaRPr lang="en-IN"/>
+          </a:p>
+        </p:txBody>
+      </p:sp>
+      <p:sp>
+        <p:nvSpPr>
+          <p:cNvPr id="33" name="Arrow: Down 32">
+            <a:extLst>
+              <a:ext uri="{FF2B5EF4-FFF2-40B4-BE49-F238E27FC236}">
+                <a16:creationId xmlns:a16="http://schemas.microsoft.com/office/drawing/2014/main" id="{CE44BEF9-56D0-2EE4-1568-EA248E749D61}"/>
+              </a:ext>
+            </a:extLst>
+          </p:cNvPr>
+          <p:cNvSpPr/>
+          <p:nvPr/>
+        </p:nvSpPr>
+        <p:spPr>
+          <a:xfrm>
+            <a:off x="8262659" y="3771804"/>
+            <a:ext cx="354868" cy="943095"/>
+          </a:xfrm>
+          <a:prstGeom prst="downArrow">
+            <a:avLst/>
+          </a:prstGeom>
+        </p:spPr>
+        <p:style>
+          <a:lnRef idx="2">
+            <a:schemeClr val="accent1">
+              <a:shade val="15000"/>
+            </a:schemeClr>
+          </a:lnRef>
+          <a:fillRef idx="1">
+            <a:schemeClr val="accent1"/>
+          </a:fillRef>
+          <a:effectRef idx="0">
+            <a:schemeClr val="accent1"/>
+          </a:effectRef>
+          <a:fontRef idx="minor">
+            <a:schemeClr val="lt1"/>
+          </a:fontRef>
+        </p:style>
+        <p:txBody>
+          <a:bodyPr rtlCol="0" anchor="ctr"/>
+          <a:lstStyle/>
+          <a:p>
+            <a:pPr algn="ctr"/>
+            <a:endParaRPr lang="en-IN"/>
+          </a:p>
+        </p:txBody>
+      </p:sp>
+      <p:sp>
+        <p:nvSpPr>
+          <p:cNvPr id="34" name="Arrow: Down 33">
+            <a:extLst>
+              <a:ext uri="{FF2B5EF4-FFF2-40B4-BE49-F238E27FC236}">
+                <a16:creationId xmlns:a16="http://schemas.microsoft.com/office/drawing/2014/main" id="{19239EB7-F899-AE69-D807-9ADC7AA32968}"/>
+              </a:ext>
+            </a:extLst>
+          </p:cNvPr>
+          <p:cNvSpPr/>
+          <p:nvPr/>
+        </p:nvSpPr>
+        <p:spPr>
+          <a:xfrm>
+            <a:off x="10105322" y="3799509"/>
+            <a:ext cx="354868" cy="943095"/>
+          </a:xfrm>
+          <a:prstGeom prst="downArrow">
+            <a:avLst/>
+          </a:prstGeom>
+        </p:spPr>
+        <p:style>
+          <a:lnRef idx="2">
+            <a:schemeClr val="accent1">
+              <a:shade val="15000"/>
+            </a:schemeClr>
+          </a:lnRef>
+          <a:fillRef idx="1">
+            <a:schemeClr val="accent1"/>
+          </a:fillRef>
+          <a:effectRef idx="0">
+            <a:schemeClr val="accent1"/>
+          </a:effectRef>
+          <a:fontRef idx="minor">
+            <a:schemeClr val="lt1"/>
+          </a:fontRef>
+        </p:style>
+        <p:txBody>
+          <a:bodyPr rtlCol="0" anchor="ctr"/>
+          <a:lstStyle/>
+          <a:p>
+            <a:pPr algn="ctr"/>
+            <a:endParaRPr lang="en-IN"/>
+          </a:p>
+        </p:txBody>
+      </p:sp>
+      <p:sp>
+        <p:nvSpPr>
+          <p:cNvPr id="35" name="TextBox 34">
+            <a:extLst>
+              <a:ext uri="{FF2B5EF4-FFF2-40B4-BE49-F238E27FC236}">
+                <a16:creationId xmlns:a16="http://schemas.microsoft.com/office/drawing/2014/main" id="{32495C85-3207-AF94-27EC-1639283D6978}"/>
+              </a:ext>
+            </a:extLst>
+          </p:cNvPr>
+          <p:cNvSpPr txBox="1"/>
+          <p:nvPr/>
+        </p:nvSpPr>
+        <p:spPr>
+          <a:xfrm>
+            <a:off x="2962203" y="4567838"/>
+            <a:ext cx="2878586" cy="1754326"/>
+          </a:xfrm>
+          <a:prstGeom prst="rect">
+            <a:avLst/>
+          </a:prstGeom>
+          <a:solidFill>
+            <a:srgbClr val="FFFF00"/>
+          </a:solidFill>
+        </p:spPr>
+        <p:txBody>
+          <a:bodyPr wrap="square" rtlCol="0">
+            <a:spAutoFit/>
+          </a:bodyPr>
+          <a:lstStyle/>
+          <a:p>
+            <a:r>
+              <a:rPr lang="en-US" dirty="0">
+                <a:highlight>
+                  <a:srgbClr val="FFFF00"/>
+                </a:highlight>
+              </a:rPr>
+              <a:t>JOIN crosses from tag, it gives a signal ,Then Tag name with having minimum no. of </a:t>
+            </a:r>
+            <a:r>
+              <a:rPr lang="en-US" dirty="0" err="1">
+                <a:highlight>
+                  <a:srgbClr val="FFFF00"/>
+                </a:highlight>
+              </a:rPr>
+              <a:t>Seq_No</a:t>
+            </a:r>
+            <a:r>
+              <a:rPr lang="en-US" dirty="0">
+                <a:highlight>
+                  <a:srgbClr val="FFFF00"/>
+                </a:highlight>
+              </a:rPr>
+              <a:t>. ,the </a:t>
+            </a:r>
+            <a:r>
+              <a:rPr lang="en-US" dirty="0" err="1">
+                <a:highlight>
+                  <a:srgbClr val="FFFF00"/>
+                </a:highlight>
+              </a:rPr>
+              <a:t>Coil_ID</a:t>
+            </a:r>
+            <a:r>
+              <a:rPr lang="en-US" dirty="0">
+                <a:highlight>
+                  <a:srgbClr val="FFFF00"/>
+                </a:highlight>
+              </a:rPr>
+              <a:t> is inserted into    </a:t>
+            </a:r>
+            <a:r>
+              <a:rPr lang="en-US" dirty="0">
+                <a:solidFill>
+                  <a:srgbClr val="FF0000"/>
+                </a:solidFill>
+                <a:highlight>
+                  <a:srgbClr val="000080"/>
+                </a:highlight>
+              </a:rPr>
+              <a:t>T_EVENT_LOC </a:t>
+            </a:r>
+            <a:r>
+              <a:rPr lang="en-US" dirty="0">
+                <a:highlight>
+                  <a:srgbClr val="FFFF00"/>
+                </a:highlight>
+              </a:rPr>
+              <a:t>Table.</a:t>
+            </a:r>
+            <a:endParaRPr lang="en-IN" dirty="0">
+              <a:highlight>
+                <a:srgbClr val="FFFF00"/>
+              </a:highlight>
+            </a:endParaRPr>
           </a:p>
         </p:txBody>
       </p:sp>
@@ -4266,10 +5352,10 @@
       </p:grpSpPr>
       <p:pic>
         <p:nvPicPr>
-          <p:cNvPr id="2" name="Picture 1" descr="A screenshot of a computer&#10;&#10;AI-generated content may be incorrect.">
-            <a:extLst>
-              <a:ext uri="{FF2B5EF4-FFF2-40B4-BE49-F238E27FC236}">
-                <a16:creationId xmlns:a16="http://schemas.microsoft.com/office/drawing/2014/main" id="{100BD117-3C38-AE7B-E092-7A86A30CB54A}"/>
+          <p:cNvPr id="3" name="Picture 2" descr="A screenshot of a computer&#10;&#10;AI-generated content may be incorrect.">
+            <a:extLst>
+              <a:ext uri="{FF2B5EF4-FFF2-40B4-BE49-F238E27FC236}">
+                <a16:creationId xmlns:a16="http://schemas.microsoft.com/office/drawing/2014/main" id="{8E1DDBD2-E00C-3B59-E7D5-950ABF8501E8}"/>
               </a:ext>
             </a:extLst>
           </p:cNvPr>
@@ -4280,41 +5366,12 @@
         </p:nvPicPr>
         <p:blipFill>
           <a:blip r:embed="rId2"/>
-          <a:srcRect l="24063" r="-288"/>
-          <a:stretch/>
-        </p:blipFill>
-        <p:spPr>
-          <a:xfrm>
-            <a:off x="5164774" y="30888"/>
-            <a:ext cx="6948271" cy="2409815"/>
-          </a:xfrm>
-          <a:prstGeom prst="rect">
-            <a:avLst/>
-          </a:prstGeom>
-        </p:spPr>
-      </p:pic>
-      <p:pic>
-        <p:nvPicPr>
-          <p:cNvPr id="3" name="Picture 2" descr="A screenshot of a computer&#10;&#10;AI-generated content may be incorrect.">
-            <a:extLst>
-              <a:ext uri="{FF2B5EF4-FFF2-40B4-BE49-F238E27FC236}">
-                <a16:creationId xmlns:a16="http://schemas.microsoft.com/office/drawing/2014/main" id="{8E1DDBD2-E00C-3B59-E7D5-950ABF8501E8}"/>
-              </a:ext>
-            </a:extLst>
-          </p:cNvPr>
-          <p:cNvPicPr>
-            <a:picLocks noChangeAspect="1"/>
-          </p:cNvPicPr>
-          <p:nvPr/>
-        </p:nvPicPr>
-        <p:blipFill>
-          <a:blip r:embed="rId3"/>
           <a:srcRect l="24662" t="20745" r="150" b="-532"/>
           <a:stretch/>
         </p:blipFill>
         <p:spPr>
           <a:xfrm>
-            <a:off x="5630754" y="3731224"/>
+            <a:off x="158207" y="129037"/>
             <a:ext cx="6567248" cy="1975935"/>
           </a:xfrm>
           <a:prstGeom prst="rect">
@@ -4324,10 +5381,10 @@
       </p:pic>
       <p:sp>
         <p:nvSpPr>
-          <p:cNvPr id="5" name="Rectangle 4">
-            <a:extLst>
-              <a:ext uri="{FF2B5EF4-FFF2-40B4-BE49-F238E27FC236}">
-                <a16:creationId xmlns:a16="http://schemas.microsoft.com/office/drawing/2014/main" id="{ECC0B70F-70B9-4496-F291-5C2A7A188BF6}"/>
+          <p:cNvPr id="7" name="Rectangle 6">
+            <a:extLst>
+              <a:ext uri="{FF2B5EF4-FFF2-40B4-BE49-F238E27FC236}">
+                <a16:creationId xmlns:a16="http://schemas.microsoft.com/office/drawing/2014/main" id="{3782F197-F3EF-E568-FAF9-0B7E4C21894F}"/>
               </a:ext>
             </a:extLst>
           </p:cNvPr>
@@ -4336,69 +5393,7 @@
         </p:nvSpPr>
         <p:spPr>
           <a:xfrm>
-            <a:off x="9205935" y="1973906"/>
-            <a:ext cx="2903670" cy="475627"/>
-          </a:xfrm>
-          <a:prstGeom prst="rect">
-            <a:avLst/>
-          </a:prstGeom>
-          <a:solidFill>
-            <a:schemeClr val="accent2">
-              <a:lumMod val="75000"/>
-            </a:schemeClr>
-          </a:solidFill>
-          <a:ln>
-            <a:solidFill>
-              <a:schemeClr val="tx1">
-                <a:lumMod val="95000"/>
-                <a:lumOff val="5000"/>
-              </a:schemeClr>
-            </a:solidFill>
-          </a:ln>
-        </p:spPr>
-        <p:style>
-          <a:lnRef idx="2">
-            <a:schemeClr val="accent1">
-              <a:shade val="15000"/>
-            </a:schemeClr>
-          </a:lnRef>
-          <a:fillRef idx="1">
-            <a:schemeClr val="accent1"/>
-          </a:fillRef>
-          <a:effectRef idx="0">
-            <a:schemeClr val="accent1"/>
-          </a:effectRef>
-          <a:fontRef idx="minor">
-            <a:schemeClr val="lt1"/>
-          </a:fontRef>
-        </p:style>
-        <p:txBody>
-          <a:bodyPr lIns="91440" tIns="45720" rIns="91440" bIns="45720" rtlCol="0" anchor="ctr"/>
-          <a:lstStyle/>
-          <a:p>
-            <a:pPr algn="ctr"/>
-            <a:r>
-              <a:rPr lang="en-US" sz="2400" dirty="0"/>
-              <a:t>T_COL_COT_PDI_L3</a:t>
-            </a:r>
-          </a:p>
-        </p:txBody>
-      </p:sp>
-      <p:sp>
-        <p:nvSpPr>
-          <p:cNvPr id="7" name="Rectangle 6">
-            <a:extLst>
-              <a:ext uri="{FF2B5EF4-FFF2-40B4-BE49-F238E27FC236}">
-                <a16:creationId xmlns:a16="http://schemas.microsoft.com/office/drawing/2014/main" id="{3782F197-F3EF-E568-FAF9-0B7E4C21894F}"/>
-              </a:ext>
-            </a:extLst>
-          </p:cNvPr>
-          <p:cNvSpPr/>
-          <p:nvPr/>
-        </p:nvSpPr>
-        <p:spPr>
-          <a:xfrm>
-            <a:off x="9297156" y="5231368"/>
+            <a:off x="3824609" y="1629181"/>
             <a:ext cx="2811705" cy="475627"/>
           </a:xfrm>
           <a:prstGeom prst="rect">
@@ -4540,8 +5535,8 @@
         </p:nvSpPr>
         <p:spPr>
           <a:xfrm>
-            <a:off x="9823418" y="2131562"/>
-            <a:ext cx="2273050" cy="475627"/>
+            <a:off x="9199418" y="2034577"/>
+            <a:ext cx="2897050" cy="475627"/>
           </a:xfrm>
           <a:prstGeom prst="rect">
             <a:avLst/>
@@ -4583,9 +5578,8 @@
             <a:pPr algn="ctr"/>
             <a:r>
               <a:rPr lang="en-US" sz="2400" dirty="0"/>
-              <a:t>T_COIL_LOC</a:t>
-            </a:r>
-            <a:endParaRPr lang="en-US" sz="2400"/>
+              <a:t>T_EVENT_TRACKING</a:t>
+            </a:r>
           </a:p>
         </p:txBody>
       </p:sp>
